--- a/presentation/Replication_Presentation.pptx
+++ b/presentation/Replication_Presentation.pptx
@@ -3074,7 +3074,7 @@
           </a:ln>
           <a:extLst>
             <a:ext uri="{C572A759-6A51-4108-AA02-DFA0A04FC94B}">
-              <ma14:wrappingTextBoxFlag xmlns:ma14="http://schemas.microsoft.com/office/mac/drawingml/2011/main" xmlns:a14="http://schemas.microsoft.com/office/drawing/2010/main" xmlns:m="http://schemas.openxmlformats.org/officeDocument/2006/math" xmlns="" val="1"/>
+              <ma14:wrappingTextBoxFlag xmlns="" xmlns:m="http://schemas.openxmlformats.org/officeDocument/2006/math" xmlns:a14="http://schemas.microsoft.com/office/drawing/2010/main" xmlns:ma14="http://schemas.microsoft.com/office/mac/drawingml/2011/main" val="1"/>
             </a:ext>
           </a:extLst>
         </p:spPr>
@@ -3113,7 +3113,7 @@
           </a:ln>
           <a:extLst>
             <a:ext uri="{C572A759-6A51-4108-AA02-DFA0A04FC94B}">
-              <ma14:wrappingTextBoxFlag xmlns:ma14="http://schemas.microsoft.com/office/mac/drawingml/2011/main" xmlns:a14="http://schemas.microsoft.com/office/drawing/2010/main" xmlns:m="http://schemas.openxmlformats.org/officeDocument/2006/math" xmlns="" val="1"/>
+              <ma14:wrappingTextBoxFlag xmlns="" xmlns:m="http://schemas.openxmlformats.org/officeDocument/2006/math" xmlns:a14="http://schemas.microsoft.com/office/drawing/2010/main" xmlns:ma14="http://schemas.microsoft.com/office/mac/drawingml/2011/main" val="1"/>
             </a:ext>
           </a:extLst>
         </p:spPr>
@@ -6058,7 +6058,7 @@
               <a:rPr lang="de-DE" sz="5600" dirty="0">
                 <a:latin typeface="+mj-lt"/>
               </a:rPr>
-              <a:t>Azizullah Massomy</a:t>
+              <a:t>Azizullah Massomy </a:t>
             </a:r>
             <a:r>
               <a:rPr lang="en-US" sz="5600" dirty="0">
